--- a/PPT/45.pptx
+++ b/PPT/45.pptx
@@ -5083,15 +5083,14 @@
                 <a:latin typeface="微软雅黑" panose="020B0503020204020204" pitchFamily="34" charset="-122"/>
                 <a:ea typeface="微软雅黑" panose="020B0503020204020204" pitchFamily="34" charset="-122"/>
               </a:rPr>
-              <a:t>到达边界，要么这里加一次油，要么在 </a:t>
-            </a:r>
-            <a:r>
-              <a:rPr lang="en-US" altLang="zh-CN" dirty="0">
-                <a:latin typeface="微软雅黑" panose="020B0503020204020204" pitchFamily="34" charset="-122"/>
-                <a:ea typeface="微软雅黑" panose="020B0503020204020204" pitchFamily="34" charset="-122"/>
-              </a:rPr>
-              <a:t>I + num[</a:t>
-            </a:r>
+              <a:t>到达边界，要么这里加一次油，要么在</a:t>
+            </a:r>
+            <a:endParaRPr lang="en-US" altLang="zh-CN" dirty="0">
+              <a:latin typeface="微软雅黑" panose="020B0503020204020204" pitchFamily="34" charset="-122"/>
+              <a:ea typeface="微软雅黑" panose="020B0503020204020204" pitchFamily="34" charset="-122"/>
+            </a:endParaRPr>
+          </a:p>
+          <a:p>
             <a:r>
               <a:rPr lang="en-US" altLang="zh-CN" dirty="0" err="1">
                 <a:latin typeface="微软雅黑" panose="020B0503020204020204" pitchFamily="34" charset="-122"/>
@@ -5104,8 +5103,24 @@
                 <a:latin typeface="微软雅黑" panose="020B0503020204020204" pitchFamily="34" charset="-122"/>
                 <a:ea typeface="微软雅黑" panose="020B0503020204020204" pitchFamily="34" charset="-122"/>
               </a:rPr>
+              <a:t> + num[</a:t>
+            </a:r>
+            <a:r>
+              <a:rPr lang="en-US" altLang="zh-CN" dirty="0" err="1">
+                <a:latin typeface="微软雅黑" panose="020B0503020204020204" pitchFamily="34" charset="-122"/>
+                <a:ea typeface="微软雅黑" panose="020B0503020204020204" pitchFamily="34" charset="-122"/>
+              </a:rPr>
+              <a:t>i</a:t>
+            </a:r>
+            <a:r>
+              <a:rPr lang="en-US" altLang="zh-CN" dirty="0">
+                <a:latin typeface="微软雅黑" panose="020B0503020204020204" pitchFamily="34" charset="-122"/>
+                <a:ea typeface="微软雅黑" panose="020B0503020204020204" pitchFamily="34" charset="-122"/>
+              </a:rPr>
               <a:t>] = max </a:t>
             </a:r>
+          </a:p>
+          <a:p>
             <a:r>
               <a:rPr lang="zh-CN" altLang="en-US" dirty="0">
                 <a:latin typeface="微软雅黑" panose="020B0503020204020204" pitchFamily="34" charset="-122"/>
